--- a/AI4IA_phase1_python/méthodologie utilisée par l’équipe MIA pour le challenge AI4IA.pptx
+++ b/AI4IA_phase1_python/méthodologie utilisée par l’équipe MIA pour le challenge AI4IA.pptx
@@ -12,6 +12,9 @@
     <p:sldId id="257" r:id="rId7"/>
     <p:sldId id="258" r:id="rId8"/>
     <p:sldId id="259" r:id="rId9"/>
+    <p:sldId id="260" r:id="rId10"/>
+    <p:sldId id="261" r:id="rId11"/>
+    <p:sldId id="262" r:id="rId12"/>
   </p:sldIdLst>
   <p:sldSz cy="5143500" cx="9144000"/>
   <p:notesSz cx="6858000" cy="9144000"/>
@@ -1005,7 +1008,7 @@
       </p:grpSpPr>
       <p:sp>
         <p:nvSpPr>
-          <p:cNvPr id="72" name="Google Shape;72;g100b7fe4e25_0_18:notes"/>
+          <p:cNvPr id="72" name="Google Shape;72;g101291e0bc6_0_0:notes"/>
           <p:cNvSpPr/>
           <p:nvPr>
             <p:ph idx="2" type="sldImg"/>
@@ -1040,7 +1043,304 @@
       </p:sp>
       <p:sp>
         <p:nvSpPr>
-          <p:cNvPr id="73" name="Google Shape;73;g100b7fe4e25_0_18:notes"/>
+          <p:cNvPr id="73" name="Google Shape;73;g101291e0bc6_0_0:notes"/>
+          <p:cNvSpPr txBox="1"/>
+          <p:nvPr>
+            <p:ph idx="1" type="body"/>
+          </p:nvPr>
+        </p:nvSpPr>
+        <p:spPr>
+          <a:xfrm>
+            <a:off x="685800" y="4343400"/>
+            <a:ext cx="5486400" cy="4114800"/>
+          </a:xfrm>
+          <a:prstGeom prst="rect">
+            <a:avLst/>
+          </a:prstGeom>
+        </p:spPr>
+        <p:txBody>
+          <a:bodyPr anchorCtr="0" anchor="t" bIns="91425" lIns="91425" spcFirstLastPara="1" rIns="91425" wrap="square" tIns="91425">
+            <a:noAutofit/>
+          </a:bodyPr>
+          <a:lstStyle/>
+          <a:p>
+            <a:pPr indent="0" lvl="0" marL="0" rtl="0" algn="l">
+              <a:spcBef>
+                <a:spcPts val="0"/>
+              </a:spcBef>
+              <a:spcAft>
+                <a:spcPts val="0"/>
+              </a:spcAft>
+              <a:buNone/>
+            </a:pPr>
+            <a:r>
+              <a:t/>
+            </a:r>
+            <a:endParaRPr/>
+          </a:p>
+        </p:txBody>
+      </p:sp>
+    </p:spTree>
+  </p:cSld>
+  <p:clrMapOvr>
+    <a:masterClrMapping/>
+  </p:clrMapOvr>
+</p:notes>
+</file>
+
+<file path=ppt/notesSlides/notesSlide5.xml><?xml version="1.0" encoding="utf-8"?>
+<p:notes xmlns:a="http://schemas.openxmlformats.org/drawingml/2006/main" xmlns:r="http://schemas.openxmlformats.org/officeDocument/2006/relationships" xmlns:mc="http://schemas.openxmlformats.org/markup-compatibility/2006" xmlns:mv="urn:schemas-microsoft-com:mac:vml" xmlns:p="http://schemas.openxmlformats.org/presentationml/2006/main" xmlns:c="http://schemas.openxmlformats.org/drawingml/2006/chart" xmlns:dgm="http://schemas.openxmlformats.org/drawingml/2006/diagram" xmlns:o="urn:schemas-microsoft-com:office:office" xmlns:v="urn:schemas-microsoft-com:vml" xmlns:pvml="urn:schemas-microsoft-com:office:powerpoint" xmlns:com="http://schemas.openxmlformats.org/drawingml/2006/compatibility" xmlns:p14="http://schemas.microsoft.com/office/powerpoint/2010/main" xmlns:p15="http://schemas.microsoft.com/office/powerpoint/2012/main" xmlns:ahyp="http://schemas.microsoft.com/office/drawing/2018/hyperlinkcolor" showMasterPhAnim="0" showMasterSp="0">
+  <p:cSld>
+    <p:spTree>
+      <p:nvGrpSpPr>
+        <p:cNvPr id="90" name="Shape 90"/>
+        <p:cNvGrpSpPr/>
+        <p:nvPr/>
+      </p:nvGrpSpPr>
+      <p:grpSpPr>
+        <a:xfrm>
+          <a:off x="0" y="0"/>
+          <a:ext cx="0" cy="0"/>
+          <a:chOff x="0" y="0"/>
+          <a:chExt cx="0" cy="0"/>
+        </a:xfrm>
+      </p:grpSpPr>
+      <p:sp>
+        <p:nvSpPr>
+          <p:cNvPr id="91" name="Google Shape;91;g100b7fe4e25_0_18:notes"/>
+          <p:cNvSpPr/>
+          <p:nvPr>
+            <p:ph idx="2" type="sldImg"/>
+          </p:nvPr>
+        </p:nvSpPr>
+        <p:spPr>
+          <a:xfrm>
+            <a:off x="381300" y="685800"/>
+            <a:ext cx="6096000" cy="3429000"/>
+          </a:xfrm>
+          <a:custGeom>
+            <a:rect b="b" l="l" r="r" t="t"/>
+            <a:pathLst>
+              <a:path extrusionOk="0" h="120000" w="120000">
+                <a:moveTo>
+                  <a:pt x="0" y="0"/>
+                </a:moveTo>
+                <a:lnTo>
+                  <a:pt x="120000" y="0"/>
+                </a:lnTo>
+                <a:lnTo>
+                  <a:pt x="120000" y="120000"/>
+                </a:lnTo>
+                <a:lnTo>
+                  <a:pt x="0" y="120000"/>
+                </a:lnTo>
+                <a:close/>
+              </a:path>
+            </a:pathLst>
+          </a:custGeom>
+        </p:spPr>
+      </p:sp>
+      <p:sp>
+        <p:nvSpPr>
+          <p:cNvPr id="92" name="Google Shape;92;g100b7fe4e25_0_18:notes"/>
+          <p:cNvSpPr txBox="1"/>
+          <p:nvPr>
+            <p:ph idx="1" type="body"/>
+          </p:nvPr>
+        </p:nvSpPr>
+        <p:spPr>
+          <a:xfrm>
+            <a:off x="685800" y="4343400"/>
+            <a:ext cx="5486400" cy="4114800"/>
+          </a:xfrm>
+          <a:prstGeom prst="rect">
+            <a:avLst/>
+          </a:prstGeom>
+        </p:spPr>
+        <p:txBody>
+          <a:bodyPr anchorCtr="0" anchor="t" bIns="91425" lIns="91425" spcFirstLastPara="1" rIns="91425" wrap="square" tIns="91425">
+            <a:noAutofit/>
+          </a:bodyPr>
+          <a:lstStyle/>
+          <a:p>
+            <a:pPr indent="0" lvl="0" marL="0" rtl="0" algn="l">
+              <a:spcBef>
+                <a:spcPts val="0"/>
+              </a:spcBef>
+              <a:spcAft>
+                <a:spcPts val="0"/>
+              </a:spcAft>
+              <a:buNone/>
+            </a:pPr>
+            <a:r>
+              <a:t/>
+            </a:r>
+            <a:endParaRPr/>
+          </a:p>
+        </p:txBody>
+      </p:sp>
+    </p:spTree>
+  </p:cSld>
+  <p:clrMapOvr>
+    <a:masterClrMapping/>
+  </p:clrMapOvr>
+</p:notes>
+</file>
+
+<file path=ppt/notesSlides/notesSlide6.xml><?xml version="1.0" encoding="utf-8"?>
+<p:notes xmlns:a="http://schemas.openxmlformats.org/drawingml/2006/main" xmlns:r="http://schemas.openxmlformats.org/officeDocument/2006/relationships" xmlns:mc="http://schemas.openxmlformats.org/markup-compatibility/2006" xmlns:mv="urn:schemas-microsoft-com:mac:vml" xmlns:p="http://schemas.openxmlformats.org/presentationml/2006/main" xmlns:c="http://schemas.openxmlformats.org/drawingml/2006/chart" xmlns:dgm="http://schemas.openxmlformats.org/drawingml/2006/diagram" xmlns:o="urn:schemas-microsoft-com:office:office" xmlns:v="urn:schemas-microsoft-com:vml" xmlns:pvml="urn:schemas-microsoft-com:office:powerpoint" xmlns:com="http://schemas.openxmlformats.org/drawingml/2006/compatibility" xmlns:p14="http://schemas.microsoft.com/office/powerpoint/2010/main" xmlns:p15="http://schemas.microsoft.com/office/powerpoint/2012/main" xmlns:ahyp="http://schemas.microsoft.com/office/drawing/2018/hyperlinkcolor" showMasterPhAnim="0" showMasterSp="0">
+  <p:cSld>
+    <p:spTree>
+      <p:nvGrpSpPr>
+        <p:cNvPr id="96" name="Shape 96"/>
+        <p:cNvGrpSpPr/>
+        <p:nvPr/>
+      </p:nvGrpSpPr>
+      <p:grpSpPr>
+        <a:xfrm>
+          <a:off x="0" y="0"/>
+          <a:ext cx="0" cy="0"/>
+          <a:chOff x="0" y="0"/>
+          <a:chExt cx="0" cy="0"/>
+        </a:xfrm>
+      </p:grpSpPr>
+      <p:sp>
+        <p:nvSpPr>
+          <p:cNvPr id="97" name="Google Shape;97;g101291e0bc6_0_20:notes"/>
+          <p:cNvSpPr/>
+          <p:nvPr>
+            <p:ph idx="2" type="sldImg"/>
+          </p:nvPr>
+        </p:nvSpPr>
+        <p:spPr>
+          <a:xfrm>
+            <a:off x="381300" y="685800"/>
+            <a:ext cx="6096000" cy="3429000"/>
+          </a:xfrm>
+          <a:custGeom>
+            <a:rect b="b" l="l" r="r" t="t"/>
+            <a:pathLst>
+              <a:path extrusionOk="0" h="120000" w="120000">
+                <a:moveTo>
+                  <a:pt x="0" y="0"/>
+                </a:moveTo>
+                <a:lnTo>
+                  <a:pt x="120000" y="0"/>
+                </a:lnTo>
+                <a:lnTo>
+                  <a:pt x="120000" y="120000"/>
+                </a:lnTo>
+                <a:lnTo>
+                  <a:pt x="0" y="120000"/>
+                </a:lnTo>
+                <a:close/>
+              </a:path>
+            </a:pathLst>
+          </a:custGeom>
+        </p:spPr>
+      </p:sp>
+      <p:sp>
+        <p:nvSpPr>
+          <p:cNvPr id="98" name="Google Shape;98;g101291e0bc6_0_20:notes"/>
+          <p:cNvSpPr txBox="1"/>
+          <p:nvPr>
+            <p:ph idx="1" type="body"/>
+          </p:nvPr>
+        </p:nvSpPr>
+        <p:spPr>
+          <a:xfrm>
+            <a:off x="685800" y="4343400"/>
+            <a:ext cx="5486400" cy="4114800"/>
+          </a:xfrm>
+          <a:prstGeom prst="rect">
+            <a:avLst/>
+          </a:prstGeom>
+        </p:spPr>
+        <p:txBody>
+          <a:bodyPr anchorCtr="0" anchor="t" bIns="91425" lIns="91425" spcFirstLastPara="1" rIns="91425" wrap="square" tIns="91425">
+            <a:noAutofit/>
+          </a:bodyPr>
+          <a:lstStyle/>
+          <a:p>
+            <a:pPr indent="0" lvl="0" marL="0" rtl="0" algn="l">
+              <a:spcBef>
+                <a:spcPts val="0"/>
+              </a:spcBef>
+              <a:spcAft>
+                <a:spcPts val="0"/>
+              </a:spcAft>
+              <a:buNone/>
+            </a:pPr>
+            <a:r>
+              <a:t/>
+            </a:r>
+            <a:endParaRPr/>
+          </a:p>
+        </p:txBody>
+      </p:sp>
+    </p:spTree>
+  </p:cSld>
+  <p:clrMapOvr>
+    <a:masterClrMapping/>
+  </p:clrMapOvr>
+</p:notes>
+</file>
+
+<file path=ppt/notesSlides/notesSlide7.xml><?xml version="1.0" encoding="utf-8"?>
+<p:notes xmlns:a="http://schemas.openxmlformats.org/drawingml/2006/main" xmlns:r="http://schemas.openxmlformats.org/officeDocument/2006/relationships" xmlns:mc="http://schemas.openxmlformats.org/markup-compatibility/2006" xmlns:mv="urn:schemas-microsoft-com:mac:vml" xmlns:p="http://schemas.openxmlformats.org/presentationml/2006/main" xmlns:c="http://schemas.openxmlformats.org/drawingml/2006/chart" xmlns:dgm="http://schemas.openxmlformats.org/drawingml/2006/diagram" xmlns:o="urn:schemas-microsoft-com:office:office" xmlns:v="urn:schemas-microsoft-com:vml" xmlns:pvml="urn:schemas-microsoft-com:office:powerpoint" xmlns:com="http://schemas.openxmlformats.org/drawingml/2006/compatibility" xmlns:p14="http://schemas.microsoft.com/office/powerpoint/2010/main" xmlns:p15="http://schemas.microsoft.com/office/powerpoint/2012/main" xmlns:ahyp="http://schemas.microsoft.com/office/drawing/2018/hyperlinkcolor" showMasterPhAnim="0" showMasterSp="0">
+  <p:cSld>
+    <p:spTree>
+      <p:nvGrpSpPr>
+        <p:cNvPr id="112" name="Shape 112"/>
+        <p:cNvGrpSpPr/>
+        <p:nvPr/>
+      </p:nvGrpSpPr>
+      <p:grpSpPr>
+        <a:xfrm>
+          <a:off x="0" y="0"/>
+          <a:ext cx="0" cy="0"/>
+          <a:chOff x="0" y="0"/>
+          <a:chExt cx="0" cy="0"/>
+        </a:xfrm>
+      </p:grpSpPr>
+      <p:sp>
+        <p:nvSpPr>
+          <p:cNvPr id="113" name="Google Shape;113;g101291e0bc6_0_55:notes"/>
+          <p:cNvSpPr/>
+          <p:nvPr>
+            <p:ph idx="2" type="sldImg"/>
+          </p:nvPr>
+        </p:nvSpPr>
+        <p:spPr>
+          <a:xfrm>
+            <a:off x="381300" y="685800"/>
+            <a:ext cx="6096000" cy="3429000"/>
+          </a:xfrm>
+          <a:custGeom>
+            <a:rect b="b" l="l" r="r" t="t"/>
+            <a:pathLst>
+              <a:path extrusionOk="0" h="120000" w="120000">
+                <a:moveTo>
+                  <a:pt x="0" y="0"/>
+                </a:moveTo>
+                <a:lnTo>
+                  <a:pt x="120000" y="0"/>
+                </a:lnTo>
+                <a:lnTo>
+                  <a:pt x="120000" y="120000"/>
+                </a:lnTo>
+                <a:lnTo>
+                  <a:pt x="0" y="120000"/>
+                </a:lnTo>
+                <a:close/>
+              </a:path>
+            </a:pathLst>
+          </a:custGeom>
+        </p:spPr>
+      </p:sp>
+      <p:sp>
+        <p:nvSpPr>
+          <p:cNvPr id="114" name="Google Shape;114;g101291e0bc6_0_55:notes"/>
           <p:cNvSpPr txBox="1"/>
           <p:nvPr>
             <p:ph idx="1" type="body"/>
@@ -6394,7 +6694,15 @@
             </a:r>
             <a:r>
               <a:rPr lang="fr" sz="1736"/>
-              <a:t>, nos resultats devraient rester proche de ceux données par le système.</a:t>
+              <a:t>, nos </a:t>
+            </a:r>
+            <a:r>
+              <a:rPr lang="fr" sz="1736"/>
+              <a:t>résultats</a:t>
+            </a:r>
+            <a:r>
+              <a:rPr lang="fr" sz="1736"/>
+              <a:t> devraient rester proche de ceux données par le système.</a:t>
             </a:r>
             <a:endParaRPr sz="1736"/>
           </a:p>
@@ -6527,40 +6835,17 @@
           <a:lstStyle/>
           <a:p>
             <a:pPr indent="0" lvl="0" marL="0" rtl="0" algn="l">
-              <a:lnSpc>
-                <a:spcPct val="115000"/>
-              </a:lnSpc>
-              <a:spcBef>
-                <a:spcPts val="2400"/>
-              </a:spcBef>
-              <a:spcAft>
-                <a:spcPts val="0"/>
-              </a:spcAft>
-              <a:buClr>
-                <a:schemeClr val="dk1"/>
-              </a:buClr>
-              <a:buSzPct val="47826"/>
-              <a:buFont typeface="Arial"/>
+              <a:spcBef>
+                <a:spcPts val="0"/>
+              </a:spcBef>
+              <a:spcAft>
+                <a:spcPts val="0"/>
+              </a:spcAft>
               <a:buNone/>
             </a:pPr>
             <a:r>
-              <a:rPr b="1" lang="fr" sz="2300"/>
-              <a:t>Stratégies</a:t>
-            </a:r>
-            <a:endParaRPr b="1" sz="2300"/>
-          </a:p>
-          <a:p>
-            <a:pPr indent="0" lvl="0" marL="0" rtl="0" algn="l">
-              <a:spcBef>
-                <a:spcPts val="600"/>
-              </a:spcBef>
-              <a:spcAft>
-                <a:spcPts val="0"/>
-              </a:spcAft>
-              <a:buNone/>
-            </a:pPr>
-            <a:r>
-              <a:t/>
+              <a:rPr lang="fr"/>
+              <a:t>Stratégie 1</a:t>
             </a:r>
             <a:endParaRPr/>
           </a:p>
@@ -6576,6 +6861,638 @@
         </p:nvSpPr>
         <p:spPr>
           <a:xfrm>
+            <a:off x="3877925" y="1999050"/>
+            <a:ext cx="1234800" cy="509100"/>
+          </a:xfrm>
+          <a:prstGeom prst="rect">
+            <a:avLst/>
+          </a:prstGeom>
+        </p:spPr>
+        <p:txBody>
+          <a:bodyPr anchorCtr="0" anchor="t" bIns="91425" lIns="91425" spcFirstLastPara="1" rIns="91425" wrap="square" tIns="91425">
+            <a:normAutofit/>
+          </a:bodyPr>
+          <a:lstStyle/>
+          <a:p>
+            <a:pPr indent="0" lvl="0" marL="0" rtl="0" algn="l">
+              <a:spcBef>
+                <a:spcPts val="0"/>
+              </a:spcBef>
+              <a:spcAft>
+                <a:spcPts val="1200"/>
+              </a:spcAft>
+              <a:buNone/>
+            </a:pPr>
+            <a:r>
+              <a:rPr lang="fr"/>
+              <a:t>Modèle</a:t>
+            </a:r>
+            <a:r>
+              <a:rPr lang="fr"/>
+              <a:t> 1</a:t>
+            </a:r>
+            <a:endParaRPr/>
+          </a:p>
+        </p:txBody>
+      </p:sp>
+      <p:pic>
+        <p:nvPicPr>
+          <p:cNvPr id="77" name="Google Shape;77;p16"/>
+          <p:cNvPicPr preferRelativeResize="0"/>
+          <p:nvPr/>
+        </p:nvPicPr>
+        <p:blipFill rotWithShape="1">
+          <a:blip r:embed="rId3">
+            <a:alphaModFix/>
+          </a:blip>
+          <a:srcRect b="-512" l="0" r="0" t="77830"/>
+          <a:stretch/>
+        </p:blipFill>
+        <p:spPr>
+          <a:xfrm>
+            <a:off x="353700" y="1999050"/>
+            <a:ext cx="2924099" cy="656500"/>
+          </a:xfrm>
+          <a:prstGeom prst="rect">
+            <a:avLst/>
+          </a:prstGeom>
+          <a:noFill/>
+          <a:ln>
+            <a:noFill/>
+          </a:ln>
+        </p:spPr>
+      </p:pic>
+      <p:pic>
+        <p:nvPicPr>
+          <p:cNvPr id="78" name="Google Shape;78;p16"/>
+          <p:cNvPicPr preferRelativeResize="0"/>
+          <p:nvPr/>
+        </p:nvPicPr>
+        <p:blipFill rotWithShape="1">
+          <a:blip r:embed="rId4">
+            <a:alphaModFix/>
+          </a:blip>
+          <a:srcRect b="0" l="0" r="0" t="77656"/>
+          <a:stretch/>
+        </p:blipFill>
+        <p:spPr>
+          <a:xfrm>
+            <a:off x="353700" y="2780950"/>
+            <a:ext cx="2924099" cy="646713"/>
+          </a:xfrm>
+          <a:prstGeom prst="rect">
+            <a:avLst/>
+          </a:prstGeom>
+          <a:noFill/>
+          <a:ln>
+            <a:noFill/>
+          </a:ln>
+        </p:spPr>
+      </p:pic>
+      <p:pic>
+        <p:nvPicPr>
+          <p:cNvPr id="79" name="Google Shape;79;p16"/>
+          <p:cNvPicPr preferRelativeResize="0"/>
+          <p:nvPr/>
+        </p:nvPicPr>
+        <p:blipFill rotWithShape="1">
+          <a:blip r:embed="rId5">
+            <a:alphaModFix/>
+          </a:blip>
+          <a:srcRect b="0" l="0" r="0" t="77292"/>
+          <a:stretch/>
+        </p:blipFill>
+        <p:spPr>
+          <a:xfrm>
+            <a:off x="353700" y="3553075"/>
+            <a:ext cx="2924099" cy="656492"/>
+          </a:xfrm>
+          <a:prstGeom prst="rect">
+            <a:avLst/>
+          </a:prstGeom>
+          <a:noFill/>
+          <a:ln>
+            <a:noFill/>
+          </a:ln>
+        </p:spPr>
+      </p:pic>
+      <p:sp>
+        <p:nvSpPr>
+          <p:cNvPr id="80" name="Google Shape;80;p16"/>
+          <p:cNvSpPr txBox="1"/>
+          <p:nvPr>
+            <p:ph idx="1" type="body"/>
+          </p:nvPr>
+        </p:nvSpPr>
+        <p:spPr>
+          <a:xfrm>
+            <a:off x="1081950" y="1293889"/>
+            <a:ext cx="1467600" cy="509100"/>
+          </a:xfrm>
+          <a:prstGeom prst="rect">
+            <a:avLst/>
+          </a:prstGeom>
+        </p:spPr>
+        <p:txBody>
+          <a:bodyPr anchorCtr="0" anchor="t" bIns="91425" lIns="91425" spcFirstLastPara="1" rIns="91425" wrap="square" tIns="91425">
+            <a:normAutofit/>
+          </a:bodyPr>
+          <a:lstStyle/>
+          <a:p>
+            <a:pPr indent="0" lvl="0" marL="0" rtl="0" algn="l">
+              <a:spcBef>
+                <a:spcPts val="0"/>
+              </a:spcBef>
+              <a:spcAft>
+                <a:spcPts val="1200"/>
+              </a:spcAft>
+              <a:buNone/>
+            </a:pPr>
+            <a:r>
+              <a:rPr lang="fr"/>
+              <a:t>Exemples</a:t>
+            </a:r>
+            <a:endParaRPr/>
+          </a:p>
+        </p:txBody>
+      </p:sp>
+      <p:sp>
+        <p:nvSpPr>
+          <p:cNvPr id="81" name="Google Shape;81;p16"/>
+          <p:cNvSpPr txBox="1"/>
+          <p:nvPr>
+            <p:ph idx="1" type="body"/>
+          </p:nvPr>
+        </p:nvSpPr>
+        <p:spPr>
+          <a:xfrm>
+            <a:off x="3877925" y="2792413"/>
+            <a:ext cx="1234800" cy="509100"/>
+          </a:xfrm>
+          <a:prstGeom prst="rect">
+            <a:avLst/>
+          </a:prstGeom>
+        </p:spPr>
+        <p:txBody>
+          <a:bodyPr anchorCtr="0" anchor="t" bIns="91425" lIns="91425" spcFirstLastPara="1" rIns="91425" wrap="square" tIns="91425">
+            <a:normAutofit/>
+          </a:bodyPr>
+          <a:lstStyle/>
+          <a:p>
+            <a:pPr indent="0" lvl="0" marL="0" rtl="0" algn="l">
+              <a:spcBef>
+                <a:spcPts val="0"/>
+              </a:spcBef>
+              <a:spcAft>
+                <a:spcPts val="1200"/>
+              </a:spcAft>
+              <a:buNone/>
+            </a:pPr>
+            <a:r>
+              <a:rPr lang="fr"/>
+              <a:t>Modèle</a:t>
+            </a:r>
+            <a:r>
+              <a:rPr lang="fr"/>
+              <a:t> 2</a:t>
+            </a:r>
+            <a:endParaRPr/>
+          </a:p>
+        </p:txBody>
+      </p:sp>
+      <p:sp>
+        <p:nvSpPr>
+          <p:cNvPr id="82" name="Google Shape;82;p16"/>
+          <p:cNvSpPr txBox="1"/>
+          <p:nvPr>
+            <p:ph idx="1" type="body"/>
+          </p:nvPr>
+        </p:nvSpPr>
+        <p:spPr>
+          <a:xfrm>
+            <a:off x="3877925" y="3585800"/>
+            <a:ext cx="1234800" cy="509100"/>
+          </a:xfrm>
+          <a:prstGeom prst="rect">
+            <a:avLst/>
+          </a:prstGeom>
+        </p:spPr>
+        <p:txBody>
+          <a:bodyPr anchorCtr="0" anchor="t" bIns="91425" lIns="91425" spcFirstLastPara="1" rIns="91425" wrap="square" tIns="91425">
+            <a:normAutofit/>
+          </a:bodyPr>
+          <a:lstStyle/>
+          <a:p>
+            <a:pPr indent="0" lvl="0" marL="0" rtl="0" algn="l">
+              <a:spcBef>
+                <a:spcPts val="0"/>
+              </a:spcBef>
+              <a:spcAft>
+                <a:spcPts val="1200"/>
+              </a:spcAft>
+              <a:buNone/>
+            </a:pPr>
+            <a:r>
+              <a:rPr lang="fr"/>
+              <a:t>Modèle</a:t>
+            </a:r>
+            <a:r>
+              <a:rPr lang="fr"/>
+              <a:t> 3</a:t>
+            </a:r>
+            <a:endParaRPr/>
+          </a:p>
+        </p:txBody>
+      </p:sp>
+      <p:sp>
+        <p:nvSpPr>
+          <p:cNvPr id="83" name="Google Shape;83;p16"/>
+          <p:cNvSpPr/>
+          <p:nvPr/>
+        </p:nvSpPr>
+        <p:spPr>
+          <a:xfrm>
+            <a:off x="3480213" y="2198550"/>
+            <a:ext cx="195300" cy="110100"/>
+          </a:xfrm>
+          <a:prstGeom prst="rightArrow">
+            <a:avLst>
+              <a:gd fmla="val 50000" name="adj1"/>
+              <a:gd fmla="val 50000" name="adj2"/>
+            </a:avLst>
+          </a:prstGeom>
+          <a:solidFill>
+            <a:schemeClr val="lt2"/>
+          </a:solidFill>
+          <a:ln cap="flat" cmpd="sng" w="9525">
+            <a:solidFill>
+              <a:schemeClr val="dk2"/>
+            </a:solidFill>
+            <a:prstDash val="solid"/>
+            <a:round/>
+            <a:headEnd len="sm" w="sm" type="none"/>
+            <a:tailEnd len="sm" w="sm" type="none"/>
+          </a:ln>
+        </p:spPr>
+        <p:txBody>
+          <a:bodyPr anchorCtr="0" anchor="ctr" bIns="91425" lIns="91425" spcFirstLastPara="1" rIns="91425" wrap="square" tIns="91425">
+            <a:noAutofit/>
+          </a:bodyPr>
+          <a:lstStyle/>
+          <a:p>
+            <a:pPr indent="0" lvl="0" marL="0" rtl="0" algn="l">
+              <a:spcBef>
+                <a:spcPts val="0"/>
+              </a:spcBef>
+              <a:spcAft>
+                <a:spcPts val="0"/>
+              </a:spcAft>
+              <a:buNone/>
+            </a:pPr>
+            <a:r>
+              <a:t/>
+            </a:r>
+            <a:endParaRPr/>
+          </a:p>
+        </p:txBody>
+      </p:sp>
+      <p:sp>
+        <p:nvSpPr>
+          <p:cNvPr id="84" name="Google Shape;84;p16"/>
+          <p:cNvSpPr/>
+          <p:nvPr/>
+        </p:nvSpPr>
+        <p:spPr>
+          <a:xfrm>
+            <a:off x="3480200" y="2991925"/>
+            <a:ext cx="195300" cy="110100"/>
+          </a:xfrm>
+          <a:prstGeom prst="rightArrow">
+            <a:avLst>
+              <a:gd fmla="val 50000" name="adj1"/>
+              <a:gd fmla="val 50000" name="adj2"/>
+            </a:avLst>
+          </a:prstGeom>
+          <a:solidFill>
+            <a:schemeClr val="lt2"/>
+          </a:solidFill>
+          <a:ln cap="flat" cmpd="sng" w="9525">
+            <a:solidFill>
+              <a:schemeClr val="dk2"/>
+            </a:solidFill>
+            <a:prstDash val="solid"/>
+            <a:round/>
+            <a:headEnd len="sm" w="sm" type="none"/>
+            <a:tailEnd len="sm" w="sm" type="none"/>
+          </a:ln>
+        </p:spPr>
+        <p:txBody>
+          <a:bodyPr anchorCtr="0" anchor="ctr" bIns="91425" lIns="91425" spcFirstLastPara="1" rIns="91425" wrap="square" tIns="91425">
+            <a:noAutofit/>
+          </a:bodyPr>
+          <a:lstStyle/>
+          <a:p>
+            <a:pPr indent="0" lvl="0" marL="0" rtl="0" algn="l">
+              <a:spcBef>
+                <a:spcPts val="0"/>
+              </a:spcBef>
+              <a:spcAft>
+                <a:spcPts val="0"/>
+              </a:spcAft>
+              <a:buNone/>
+            </a:pPr>
+            <a:r>
+              <a:t/>
+            </a:r>
+            <a:endParaRPr/>
+          </a:p>
+        </p:txBody>
+      </p:sp>
+      <p:sp>
+        <p:nvSpPr>
+          <p:cNvPr id="85" name="Google Shape;85;p16"/>
+          <p:cNvSpPr/>
+          <p:nvPr/>
+        </p:nvSpPr>
+        <p:spPr>
+          <a:xfrm>
+            <a:off x="3480200" y="3785300"/>
+            <a:ext cx="195300" cy="110100"/>
+          </a:xfrm>
+          <a:prstGeom prst="rightArrow">
+            <a:avLst>
+              <a:gd fmla="val 50000" name="adj1"/>
+              <a:gd fmla="val 50000" name="adj2"/>
+            </a:avLst>
+          </a:prstGeom>
+          <a:solidFill>
+            <a:schemeClr val="lt2"/>
+          </a:solidFill>
+          <a:ln cap="flat" cmpd="sng" w="9525">
+            <a:solidFill>
+              <a:schemeClr val="dk2"/>
+            </a:solidFill>
+            <a:prstDash val="solid"/>
+            <a:round/>
+            <a:headEnd len="sm" w="sm" type="none"/>
+            <a:tailEnd len="sm" w="sm" type="none"/>
+          </a:ln>
+        </p:spPr>
+        <p:txBody>
+          <a:bodyPr anchorCtr="0" anchor="ctr" bIns="91425" lIns="91425" spcFirstLastPara="1" rIns="91425" wrap="square" tIns="91425">
+            <a:noAutofit/>
+          </a:bodyPr>
+          <a:lstStyle/>
+          <a:p>
+            <a:pPr indent="0" lvl="0" marL="0" rtl="0" algn="l">
+              <a:spcBef>
+                <a:spcPts val="0"/>
+              </a:spcBef>
+              <a:spcAft>
+                <a:spcPts val="0"/>
+              </a:spcAft>
+              <a:buNone/>
+            </a:pPr>
+            <a:r>
+              <a:t/>
+            </a:r>
+            <a:endParaRPr/>
+          </a:p>
+        </p:txBody>
+      </p:sp>
+      <p:cxnSp>
+        <p:nvCxnSpPr>
+          <p:cNvPr id="86" name="Google Shape;86;p16"/>
+          <p:cNvCxnSpPr/>
+          <p:nvPr/>
+        </p:nvCxnSpPr>
+        <p:spPr>
+          <a:xfrm>
+            <a:off x="5340775" y="3053450"/>
+            <a:ext cx="338100" cy="0"/>
+          </a:xfrm>
+          <a:prstGeom prst="straightConnector1">
+            <a:avLst/>
+          </a:prstGeom>
+          <a:noFill/>
+          <a:ln cap="flat" cmpd="sng" w="9525">
+            <a:solidFill>
+              <a:schemeClr val="dk2"/>
+            </a:solidFill>
+            <a:prstDash val="solid"/>
+            <a:round/>
+            <a:headEnd len="med" w="med" type="none"/>
+            <a:tailEnd len="med" w="med" type="triangle"/>
+          </a:ln>
+        </p:spPr>
+      </p:cxnSp>
+      <p:cxnSp>
+        <p:nvCxnSpPr>
+          <p:cNvPr id="87" name="Google Shape;87;p16"/>
+          <p:cNvCxnSpPr/>
+          <p:nvPr/>
+        </p:nvCxnSpPr>
+        <p:spPr>
+          <a:xfrm>
+            <a:off x="5315125" y="2253600"/>
+            <a:ext cx="363900" cy="516600"/>
+          </a:xfrm>
+          <a:prstGeom prst="straightConnector1">
+            <a:avLst/>
+          </a:prstGeom>
+          <a:noFill/>
+          <a:ln cap="flat" cmpd="sng" w="9525">
+            <a:solidFill>
+              <a:schemeClr val="dk2"/>
+            </a:solidFill>
+            <a:prstDash val="solid"/>
+            <a:round/>
+            <a:headEnd len="med" w="med" type="none"/>
+            <a:tailEnd len="med" w="med" type="triangle"/>
+          </a:ln>
+        </p:spPr>
+      </p:cxnSp>
+      <p:cxnSp>
+        <p:nvCxnSpPr>
+          <p:cNvPr id="88" name="Google Shape;88;p16"/>
+          <p:cNvCxnSpPr/>
+          <p:nvPr/>
+        </p:nvCxnSpPr>
+        <p:spPr>
+          <a:xfrm flipH="1" rot="10800000">
+            <a:off x="5327875" y="3328700"/>
+            <a:ext cx="374700" cy="456600"/>
+          </a:xfrm>
+          <a:prstGeom prst="straightConnector1">
+            <a:avLst/>
+          </a:prstGeom>
+          <a:noFill/>
+          <a:ln cap="flat" cmpd="sng" w="9525">
+            <a:solidFill>
+              <a:schemeClr val="dk2"/>
+            </a:solidFill>
+            <a:prstDash val="solid"/>
+            <a:round/>
+            <a:headEnd len="med" w="med" type="none"/>
+            <a:tailEnd len="med" w="med" type="triangle"/>
+          </a:ln>
+        </p:spPr>
+      </p:cxnSp>
+      <p:sp>
+        <p:nvSpPr>
+          <p:cNvPr id="89" name="Google Shape;89;p16"/>
+          <p:cNvSpPr txBox="1"/>
+          <p:nvPr/>
+        </p:nvSpPr>
+        <p:spPr>
+          <a:xfrm>
+            <a:off x="5870025" y="2868800"/>
+            <a:ext cx="2317800" cy="415500"/>
+          </a:xfrm>
+          <a:prstGeom prst="rect">
+            <a:avLst/>
+          </a:prstGeom>
+          <a:noFill/>
+          <a:ln>
+            <a:noFill/>
+          </a:ln>
+        </p:spPr>
+        <p:txBody>
+          <a:bodyPr anchorCtr="0" anchor="t" bIns="91425" lIns="91425" spcFirstLastPara="1" rIns="91425" wrap="square" tIns="91425">
+            <a:spAutoFit/>
+          </a:bodyPr>
+          <a:lstStyle/>
+          <a:p>
+            <a:pPr indent="0" lvl="0" marL="0" rtl="0" algn="l">
+              <a:lnSpc>
+                <a:spcPct val="115000"/>
+              </a:lnSpc>
+              <a:spcBef>
+                <a:spcPts val="0"/>
+              </a:spcBef>
+              <a:spcAft>
+                <a:spcPts val="1200"/>
+              </a:spcAft>
+              <a:buNone/>
+            </a:pPr>
+            <a:r>
+              <a:rPr lang="fr" sz="1500">
+                <a:solidFill>
+                  <a:schemeClr val="dk2"/>
+                </a:solidFill>
+              </a:rPr>
+              <a:t>Moyenne des </a:t>
+            </a:r>
+            <a:r>
+              <a:rPr lang="fr" sz="1500">
+                <a:solidFill>
+                  <a:schemeClr val="dk2"/>
+                </a:solidFill>
+              </a:rPr>
+              <a:t>prédictions</a:t>
+            </a:r>
+            <a:endParaRPr sz="1100"/>
+          </a:p>
+        </p:txBody>
+      </p:sp>
+    </p:spTree>
+  </p:cSld>
+  <p:clrMapOvr>
+    <a:masterClrMapping/>
+  </p:clrMapOvr>
+</p:sld>
+</file>
+
+<file path=ppt/slides/slide5.xml><?xml version="1.0" encoding="utf-8"?>
+<p:sld xmlns:a="http://schemas.openxmlformats.org/drawingml/2006/main" xmlns:r="http://schemas.openxmlformats.org/officeDocument/2006/relationships" xmlns:mc="http://schemas.openxmlformats.org/markup-compatibility/2006" xmlns:mv="urn:schemas-microsoft-com:mac:vml" xmlns:p="http://schemas.openxmlformats.org/presentationml/2006/main" xmlns:c="http://schemas.openxmlformats.org/drawingml/2006/chart" xmlns:dgm="http://schemas.openxmlformats.org/drawingml/2006/diagram" xmlns:o="urn:schemas-microsoft-com:office:office" xmlns:v="urn:schemas-microsoft-com:vml" xmlns:pvml="urn:schemas-microsoft-com:office:powerpoint" xmlns:com="http://schemas.openxmlformats.org/drawingml/2006/compatibility" xmlns:p14="http://schemas.microsoft.com/office/powerpoint/2010/main" xmlns:p15="http://schemas.microsoft.com/office/powerpoint/2012/main" xmlns:ahyp="http://schemas.microsoft.com/office/drawing/2018/hyperlinkcolor">
+  <p:cSld>
+    <p:spTree>
+      <p:nvGrpSpPr>
+        <p:cNvPr id="93" name="Shape 93"/>
+        <p:cNvGrpSpPr/>
+        <p:nvPr/>
+      </p:nvGrpSpPr>
+      <p:grpSpPr>
+        <a:xfrm>
+          <a:off x="0" y="0"/>
+          <a:ext cx="0" cy="0"/>
+          <a:chOff x="0" y="0"/>
+          <a:chExt cx="0" cy="0"/>
+        </a:xfrm>
+      </p:grpSpPr>
+      <p:sp>
+        <p:nvSpPr>
+          <p:cNvPr id="94" name="Google Shape;94;p17"/>
+          <p:cNvSpPr txBox="1"/>
+          <p:nvPr>
+            <p:ph type="title"/>
+          </p:nvPr>
+        </p:nvSpPr>
+        <p:spPr>
+          <a:xfrm>
+            <a:off x="311700" y="445025"/>
+            <a:ext cx="8520600" cy="572700"/>
+          </a:xfrm>
+          <a:prstGeom prst="rect">
+            <a:avLst/>
+          </a:prstGeom>
+        </p:spPr>
+        <p:txBody>
+          <a:bodyPr anchorCtr="0" anchor="t" bIns="91425" lIns="91425" spcFirstLastPara="1" rIns="91425" wrap="square" tIns="91425">
+            <a:normAutofit fontScale="90000"/>
+          </a:bodyPr>
+          <a:lstStyle/>
+          <a:p>
+            <a:pPr indent="0" lvl="0" marL="0" rtl="0" algn="l">
+              <a:lnSpc>
+                <a:spcPct val="115000"/>
+              </a:lnSpc>
+              <a:spcBef>
+                <a:spcPts val="2400"/>
+              </a:spcBef>
+              <a:spcAft>
+                <a:spcPts val="0"/>
+              </a:spcAft>
+              <a:buClr>
+                <a:schemeClr val="dk1"/>
+              </a:buClr>
+              <a:buSzPct val="47826"/>
+              <a:buFont typeface="Arial"/>
+              <a:buNone/>
+            </a:pPr>
+            <a:r>
+              <a:rPr b="1" lang="fr" sz="2300"/>
+              <a:t>Stratégies</a:t>
+            </a:r>
+            <a:endParaRPr b="1" sz="2300"/>
+          </a:p>
+          <a:p>
+            <a:pPr indent="0" lvl="0" marL="0" rtl="0" algn="l">
+              <a:spcBef>
+                <a:spcPts val="600"/>
+              </a:spcBef>
+              <a:spcAft>
+                <a:spcPts val="0"/>
+              </a:spcAft>
+              <a:buNone/>
+            </a:pPr>
+            <a:r>
+              <a:t/>
+            </a:r>
+            <a:endParaRPr/>
+          </a:p>
+        </p:txBody>
+      </p:sp>
+      <p:sp>
+        <p:nvSpPr>
+          <p:cNvPr id="95" name="Google Shape;95;p17"/>
+          <p:cNvSpPr txBox="1"/>
+          <p:nvPr>
+            <p:ph idx="1" type="body"/>
+          </p:nvPr>
+        </p:nvSpPr>
+        <p:spPr>
+          <a:xfrm>
             <a:off x="311700" y="1152475"/>
             <a:ext cx="8520600" cy="3416400"/>
           </a:xfrm>
@@ -6656,6 +7573,1218 @@
               <a:t>Par exemple, supposons qu’on a eu en exemple un signal carré et un signal sinusoïdal. Si on essaie de prédire sur un signal carré, La distance de similitude informera que le signal est plus proche de l’exemple carré, et donnera donc beaucoup plus de poid au modèle qui y est associé. </a:t>
             </a:r>
             <a:endParaRPr/>
+          </a:p>
+        </p:txBody>
+      </p:sp>
+    </p:spTree>
+  </p:cSld>
+  <p:clrMapOvr>
+    <a:masterClrMapping/>
+  </p:clrMapOvr>
+</p:sld>
+</file>
+
+<file path=ppt/slides/slide6.xml><?xml version="1.0" encoding="utf-8"?>
+<p:sld xmlns:a="http://schemas.openxmlformats.org/drawingml/2006/main" xmlns:r="http://schemas.openxmlformats.org/officeDocument/2006/relationships" xmlns:mc="http://schemas.openxmlformats.org/markup-compatibility/2006" xmlns:mv="urn:schemas-microsoft-com:mac:vml" xmlns:p="http://schemas.openxmlformats.org/presentationml/2006/main" xmlns:c="http://schemas.openxmlformats.org/drawingml/2006/chart" xmlns:dgm="http://schemas.openxmlformats.org/drawingml/2006/diagram" xmlns:o="urn:schemas-microsoft-com:office:office" xmlns:v="urn:schemas-microsoft-com:vml" xmlns:pvml="urn:schemas-microsoft-com:office:powerpoint" xmlns:com="http://schemas.openxmlformats.org/drawingml/2006/compatibility" xmlns:p14="http://schemas.microsoft.com/office/powerpoint/2010/main" xmlns:p15="http://schemas.microsoft.com/office/powerpoint/2012/main" xmlns:ahyp="http://schemas.microsoft.com/office/drawing/2018/hyperlinkcolor">
+  <p:cSld>
+    <p:spTree>
+      <p:nvGrpSpPr>
+        <p:cNvPr id="99" name="Shape 99"/>
+        <p:cNvGrpSpPr/>
+        <p:nvPr/>
+      </p:nvGrpSpPr>
+      <p:grpSpPr>
+        <a:xfrm>
+          <a:off x="0" y="0"/>
+          <a:ext cx="0" cy="0"/>
+          <a:chOff x="0" y="0"/>
+          <a:chExt cx="0" cy="0"/>
+        </a:xfrm>
+      </p:grpSpPr>
+      <p:sp>
+        <p:nvSpPr>
+          <p:cNvPr id="100" name="Google Shape;100;p18"/>
+          <p:cNvSpPr txBox="1"/>
+          <p:nvPr/>
+        </p:nvSpPr>
+        <p:spPr>
+          <a:xfrm>
+            <a:off x="5918300" y="2827300"/>
+            <a:ext cx="1061700" cy="338700"/>
+          </a:xfrm>
+          <a:prstGeom prst="rect">
+            <a:avLst/>
+          </a:prstGeom>
+          <a:noFill/>
+          <a:ln>
+            <a:noFill/>
+          </a:ln>
+        </p:spPr>
+        <p:txBody>
+          <a:bodyPr anchorCtr="0" anchor="t" bIns="91425" lIns="91425" spcFirstLastPara="1" rIns="91425" wrap="square" tIns="91425">
+            <a:spAutoFit/>
+          </a:bodyPr>
+          <a:lstStyle/>
+          <a:p>
+            <a:pPr indent="0" lvl="0" marL="0" rtl="0" algn="l">
+              <a:spcBef>
+                <a:spcPts val="0"/>
+              </a:spcBef>
+              <a:spcAft>
+                <a:spcPts val="0"/>
+              </a:spcAft>
+              <a:buNone/>
+            </a:pPr>
+            <a:r>
+              <a:rPr lang="fr" sz="1000"/>
+              <a:t>optimization</a:t>
+            </a:r>
+            <a:endParaRPr sz="600"/>
+          </a:p>
+        </p:txBody>
+      </p:sp>
+      <p:sp>
+        <p:nvSpPr>
+          <p:cNvPr id="101" name="Google Shape;101;p18"/>
+          <p:cNvSpPr txBox="1"/>
+          <p:nvPr>
+            <p:ph type="title"/>
+          </p:nvPr>
+        </p:nvSpPr>
+        <p:spPr>
+          <a:xfrm>
+            <a:off x="311700" y="445025"/>
+            <a:ext cx="8520600" cy="572700"/>
+          </a:xfrm>
+          <a:prstGeom prst="rect">
+            <a:avLst/>
+          </a:prstGeom>
+        </p:spPr>
+        <p:txBody>
+          <a:bodyPr anchorCtr="0" anchor="t" bIns="91425" lIns="91425" spcFirstLastPara="1" rIns="91425" wrap="square" tIns="91425">
+            <a:normAutofit fontScale="90000"/>
+          </a:bodyPr>
+          <a:lstStyle/>
+          <a:p>
+            <a:pPr indent="0" lvl="0" marL="0" rtl="0" algn="l">
+              <a:spcBef>
+                <a:spcPts val="0"/>
+              </a:spcBef>
+              <a:spcAft>
+                <a:spcPts val="0"/>
+              </a:spcAft>
+              <a:buNone/>
+            </a:pPr>
+            <a:r>
+              <a:rPr lang="fr"/>
+              <a:t>Stratégie 2</a:t>
+            </a:r>
+            <a:endParaRPr/>
+          </a:p>
+        </p:txBody>
+      </p:sp>
+      <p:sp>
+        <p:nvSpPr>
+          <p:cNvPr id="102" name="Google Shape;102;p18"/>
+          <p:cNvSpPr txBox="1"/>
+          <p:nvPr>
+            <p:ph idx="1" type="body"/>
+          </p:nvPr>
+        </p:nvSpPr>
+        <p:spPr>
+          <a:xfrm>
+            <a:off x="6882200" y="2896550"/>
+            <a:ext cx="1234800" cy="509100"/>
+          </a:xfrm>
+          <a:prstGeom prst="rect">
+            <a:avLst/>
+          </a:prstGeom>
+        </p:spPr>
+        <p:txBody>
+          <a:bodyPr anchorCtr="0" anchor="t" bIns="91425" lIns="91425" spcFirstLastPara="1" rIns="91425" wrap="square" tIns="91425">
+            <a:normAutofit/>
+          </a:bodyPr>
+          <a:lstStyle/>
+          <a:p>
+            <a:pPr indent="0" lvl="0" marL="0" rtl="0" algn="l">
+              <a:spcBef>
+                <a:spcPts val="0"/>
+              </a:spcBef>
+              <a:spcAft>
+                <a:spcPts val="1200"/>
+              </a:spcAft>
+              <a:buNone/>
+            </a:pPr>
+            <a:r>
+              <a:rPr lang="fr"/>
+              <a:t>Modèle</a:t>
+            </a:r>
+            <a:endParaRPr/>
+          </a:p>
+        </p:txBody>
+      </p:sp>
+      <p:pic>
+        <p:nvPicPr>
+          <p:cNvPr id="103" name="Google Shape;103;p18"/>
+          <p:cNvPicPr preferRelativeResize="0"/>
+          <p:nvPr/>
+        </p:nvPicPr>
+        <p:blipFill rotWithShape="1">
+          <a:blip r:embed="rId3">
+            <a:alphaModFix/>
+          </a:blip>
+          <a:srcRect b="-512" l="0" r="0" t="77830"/>
+          <a:stretch/>
+        </p:blipFill>
+        <p:spPr>
+          <a:xfrm>
+            <a:off x="353700" y="1999050"/>
+            <a:ext cx="2924099" cy="656500"/>
+          </a:xfrm>
+          <a:prstGeom prst="rect">
+            <a:avLst/>
+          </a:prstGeom>
+          <a:noFill/>
+          <a:ln>
+            <a:noFill/>
+          </a:ln>
+        </p:spPr>
+      </p:pic>
+      <p:pic>
+        <p:nvPicPr>
+          <p:cNvPr id="104" name="Google Shape;104;p18"/>
+          <p:cNvPicPr preferRelativeResize="0"/>
+          <p:nvPr/>
+        </p:nvPicPr>
+        <p:blipFill rotWithShape="1">
+          <a:blip r:embed="rId4">
+            <a:alphaModFix/>
+          </a:blip>
+          <a:srcRect b="0" l="0" r="0" t="77656"/>
+          <a:stretch/>
+        </p:blipFill>
+        <p:spPr>
+          <a:xfrm>
+            <a:off x="353700" y="2780950"/>
+            <a:ext cx="2924099" cy="646713"/>
+          </a:xfrm>
+          <a:prstGeom prst="rect">
+            <a:avLst/>
+          </a:prstGeom>
+          <a:noFill/>
+          <a:ln>
+            <a:noFill/>
+          </a:ln>
+        </p:spPr>
+      </p:pic>
+      <p:pic>
+        <p:nvPicPr>
+          <p:cNvPr id="105" name="Google Shape;105;p18"/>
+          <p:cNvPicPr preferRelativeResize="0"/>
+          <p:nvPr/>
+        </p:nvPicPr>
+        <p:blipFill rotWithShape="1">
+          <a:blip r:embed="rId5">
+            <a:alphaModFix/>
+          </a:blip>
+          <a:srcRect b="0" l="0" r="0" t="77292"/>
+          <a:stretch/>
+        </p:blipFill>
+        <p:spPr>
+          <a:xfrm>
+            <a:off x="353700" y="3553075"/>
+            <a:ext cx="2924099" cy="656492"/>
+          </a:xfrm>
+          <a:prstGeom prst="rect">
+            <a:avLst/>
+          </a:prstGeom>
+          <a:noFill/>
+          <a:ln>
+            <a:noFill/>
+          </a:ln>
+        </p:spPr>
+      </p:pic>
+      <p:sp>
+        <p:nvSpPr>
+          <p:cNvPr id="106" name="Google Shape;106;p18"/>
+          <p:cNvSpPr txBox="1"/>
+          <p:nvPr>
+            <p:ph idx="1" type="body"/>
+          </p:nvPr>
+        </p:nvSpPr>
+        <p:spPr>
+          <a:xfrm>
+            <a:off x="1081950" y="1293889"/>
+            <a:ext cx="1467600" cy="509100"/>
+          </a:xfrm>
+          <a:prstGeom prst="rect">
+            <a:avLst/>
+          </a:prstGeom>
+        </p:spPr>
+        <p:txBody>
+          <a:bodyPr anchorCtr="0" anchor="t" bIns="91425" lIns="91425" spcFirstLastPara="1" rIns="91425" wrap="square" tIns="91425">
+            <a:normAutofit/>
+          </a:bodyPr>
+          <a:lstStyle/>
+          <a:p>
+            <a:pPr indent="0" lvl="0" marL="0" rtl="0" algn="l">
+              <a:spcBef>
+                <a:spcPts val="0"/>
+              </a:spcBef>
+              <a:spcAft>
+                <a:spcPts val="1200"/>
+              </a:spcAft>
+              <a:buNone/>
+            </a:pPr>
+            <a:r>
+              <a:rPr lang="fr"/>
+              <a:t>Exemples</a:t>
+            </a:r>
+            <a:endParaRPr/>
+          </a:p>
+        </p:txBody>
+      </p:sp>
+      <p:cxnSp>
+        <p:nvCxnSpPr>
+          <p:cNvPr id="107" name="Google Shape;107;p18"/>
+          <p:cNvCxnSpPr/>
+          <p:nvPr/>
+        </p:nvCxnSpPr>
+        <p:spPr>
+          <a:xfrm>
+            <a:off x="3665600" y="3110550"/>
+            <a:ext cx="338100" cy="0"/>
+          </a:xfrm>
+          <a:prstGeom prst="straightConnector1">
+            <a:avLst/>
+          </a:prstGeom>
+          <a:noFill/>
+          <a:ln cap="flat" cmpd="sng" w="9525">
+            <a:solidFill>
+              <a:schemeClr val="dk2"/>
+            </a:solidFill>
+            <a:prstDash val="solid"/>
+            <a:round/>
+            <a:headEnd len="med" w="med" type="none"/>
+            <a:tailEnd len="med" w="med" type="triangle"/>
+          </a:ln>
+        </p:spPr>
+      </p:cxnSp>
+      <p:cxnSp>
+        <p:nvCxnSpPr>
+          <p:cNvPr id="108" name="Google Shape;108;p18"/>
+          <p:cNvCxnSpPr/>
+          <p:nvPr/>
+        </p:nvCxnSpPr>
+        <p:spPr>
+          <a:xfrm>
+            <a:off x="3639950" y="2310700"/>
+            <a:ext cx="363900" cy="516600"/>
+          </a:xfrm>
+          <a:prstGeom prst="straightConnector1">
+            <a:avLst/>
+          </a:prstGeom>
+          <a:noFill/>
+          <a:ln cap="flat" cmpd="sng" w="9525">
+            <a:solidFill>
+              <a:schemeClr val="dk2"/>
+            </a:solidFill>
+            <a:prstDash val="solid"/>
+            <a:round/>
+            <a:headEnd len="med" w="med" type="none"/>
+            <a:tailEnd len="med" w="med" type="triangle"/>
+          </a:ln>
+        </p:spPr>
+      </p:cxnSp>
+      <p:cxnSp>
+        <p:nvCxnSpPr>
+          <p:cNvPr id="109" name="Google Shape;109;p18"/>
+          <p:cNvCxnSpPr/>
+          <p:nvPr/>
+        </p:nvCxnSpPr>
+        <p:spPr>
+          <a:xfrm flipH="1" rot="10800000">
+            <a:off x="3652700" y="3385800"/>
+            <a:ext cx="374700" cy="456600"/>
+          </a:xfrm>
+          <a:prstGeom prst="straightConnector1">
+            <a:avLst/>
+          </a:prstGeom>
+          <a:noFill/>
+          <a:ln cap="flat" cmpd="sng" w="9525">
+            <a:solidFill>
+              <a:schemeClr val="dk2"/>
+            </a:solidFill>
+            <a:prstDash val="solid"/>
+            <a:round/>
+            <a:headEnd len="med" w="med" type="none"/>
+            <a:tailEnd len="med" w="med" type="triangle"/>
+          </a:ln>
+        </p:spPr>
+      </p:cxnSp>
+      <p:sp>
+        <p:nvSpPr>
+          <p:cNvPr id="110" name="Google Shape;110;p18"/>
+          <p:cNvSpPr txBox="1"/>
+          <p:nvPr/>
+        </p:nvSpPr>
+        <p:spPr>
+          <a:xfrm>
+            <a:off x="4210575" y="2896550"/>
+            <a:ext cx="1665000" cy="415500"/>
+          </a:xfrm>
+          <a:prstGeom prst="rect">
+            <a:avLst/>
+          </a:prstGeom>
+          <a:noFill/>
+          <a:ln>
+            <a:noFill/>
+          </a:ln>
+        </p:spPr>
+        <p:txBody>
+          <a:bodyPr anchorCtr="0" anchor="t" bIns="91425" lIns="91425" spcFirstLastPara="1" rIns="91425" wrap="square" tIns="91425">
+            <a:spAutoFit/>
+          </a:bodyPr>
+          <a:lstStyle/>
+          <a:p>
+            <a:pPr indent="0" lvl="0" marL="0" rtl="0" algn="l">
+              <a:lnSpc>
+                <a:spcPct val="115000"/>
+              </a:lnSpc>
+              <a:spcBef>
+                <a:spcPts val="0"/>
+              </a:spcBef>
+              <a:spcAft>
+                <a:spcPts val="1200"/>
+              </a:spcAft>
+              <a:buNone/>
+            </a:pPr>
+            <a:r>
+              <a:rPr lang="fr" sz="1500">
+                <a:solidFill>
+                  <a:schemeClr val="dk2"/>
+                </a:solidFill>
+              </a:rPr>
+              <a:t>Erreur moyenne</a:t>
+            </a:r>
+            <a:endParaRPr sz="1100"/>
+          </a:p>
+        </p:txBody>
+      </p:sp>
+      <p:sp>
+        <p:nvSpPr>
+          <p:cNvPr id="111" name="Google Shape;111;p18"/>
+          <p:cNvSpPr/>
+          <p:nvPr/>
+        </p:nvSpPr>
+        <p:spPr>
+          <a:xfrm>
+            <a:off x="5918299" y="3096050"/>
+            <a:ext cx="885300" cy="110100"/>
+          </a:xfrm>
+          <a:prstGeom prst="rightArrow">
+            <a:avLst>
+              <a:gd fmla="val 50000" name="adj1"/>
+              <a:gd fmla="val 50000" name="adj2"/>
+            </a:avLst>
+          </a:prstGeom>
+          <a:solidFill>
+            <a:schemeClr val="lt2"/>
+          </a:solidFill>
+          <a:ln cap="flat" cmpd="sng" w="9525">
+            <a:solidFill>
+              <a:schemeClr val="dk2"/>
+            </a:solidFill>
+            <a:prstDash val="solid"/>
+            <a:round/>
+            <a:headEnd len="sm" w="sm" type="none"/>
+            <a:tailEnd len="sm" w="sm" type="none"/>
+          </a:ln>
+        </p:spPr>
+        <p:txBody>
+          <a:bodyPr anchorCtr="0" anchor="ctr" bIns="91425" lIns="91425" spcFirstLastPara="1" rIns="91425" wrap="square" tIns="91425">
+            <a:noAutofit/>
+          </a:bodyPr>
+          <a:lstStyle/>
+          <a:p>
+            <a:pPr indent="0" lvl="0" marL="0" rtl="0" algn="l">
+              <a:spcBef>
+                <a:spcPts val="0"/>
+              </a:spcBef>
+              <a:spcAft>
+                <a:spcPts val="0"/>
+              </a:spcAft>
+              <a:buNone/>
+            </a:pPr>
+            <a:r>
+              <a:t/>
+            </a:r>
+            <a:endParaRPr/>
+          </a:p>
+        </p:txBody>
+      </p:sp>
+    </p:spTree>
+  </p:cSld>
+  <p:clrMapOvr>
+    <a:masterClrMapping/>
+  </p:clrMapOvr>
+</p:sld>
+</file>
+
+<file path=ppt/slides/slide7.xml><?xml version="1.0" encoding="utf-8"?>
+<p:sld xmlns:a="http://schemas.openxmlformats.org/drawingml/2006/main" xmlns:r="http://schemas.openxmlformats.org/officeDocument/2006/relationships" xmlns:mc="http://schemas.openxmlformats.org/markup-compatibility/2006" xmlns:mv="urn:schemas-microsoft-com:mac:vml" xmlns:p="http://schemas.openxmlformats.org/presentationml/2006/main" xmlns:c="http://schemas.openxmlformats.org/drawingml/2006/chart" xmlns:dgm="http://schemas.openxmlformats.org/drawingml/2006/diagram" xmlns:o="urn:schemas-microsoft-com:office:office" xmlns:v="urn:schemas-microsoft-com:vml" xmlns:pvml="urn:schemas-microsoft-com:office:powerpoint" xmlns:com="http://schemas.openxmlformats.org/drawingml/2006/compatibility" xmlns:p14="http://schemas.microsoft.com/office/powerpoint/2010/main" xmlns:p15="http://schemas.microsoft.com/office/powerpoint/2012/main" xmlns:ahyp="http://schemas.microsoft.com/office/drawing/2018/hyperlinkcolor">
+  <p:cSld>
+    <p:spTree>
+      <p:nvGrpSpPr>
+        <p:cNvPr id="115" name="Shape 115"/>
+        <p:cNvGrpSpPr/>
+        <p:nvPr/>
+      </p:nvGrpSpPr>
+      <p:grpSpPr>
+        <a:xfrm>
+          <a:off x="0" y="0"/>
+          <a:ext cx="0" cy="0"/>
+          <a:chOff x="0" y="0"/>
+          <a:chExt cx="0" cy="0"/>
+        </a:xfrm>
+      </p:grpSpPr>
+      <p:sp>
+        <p:nvSpPr>
+          <p:cNvPr id="116" name="Google Shape;116;p19"/>
+          <p:cNvSpPr txBox="1"/>
+          <p:nvPr>
+            <p:ph type="title"/>
+          </p:nvPr>
+        </p:nvSpPr>
+        <p:spPr>
+          <a:xfrm>
+            <a:off x="311700" y="445025"/>
+            <a:ext cx="8520600" cy="572700"/>
+          </a:xfrm>
+          <a:prstGeom prst="rect">
+            <a:avLst/>
+          </a:prstGeom>
+        </p:spPr>
+        <p:txBody>
+          <a:bodyPr anchorCtr="0" anchor="t" bIns="91425" lIns="91425" spcFirstLastPara="1" rIns="91425" wrap="square" tIns="91425">
+            <a:normAutofit fontScale="90000"/>
+          </a:bodyPr>
+          <a:lstStyle/>
+          <a:p>
+            <a:pPr indent="0" lvl="0" marL="0" rtl="0" algn="l">
+              <a:spcBef>
+                <a:spcPts val="0"/>
+              </a:spcBef>
+              <a:spcAft>
+                <a:spcPts val="0"/>
+              </a:spcAft>
+              <a:buNone/>
+            </a:pPr>
+            <a:r>
+              <a:rPr lang="fr"/>
+              <a:t>Stratégie 3</a:t>
+            </a:r>
+            <a:endParaRPr/>
+          </a:p>
+        </p:txBody>
+      </p:sp>
+      <p:sp>
+        <p:nvSpPr>
+          <p:cNvPr id="117" name="Google Shape;117;p19"/>
+          <p:cNvSpPr txBox="1"/>
+          <p:nvPr>
+            <p:ph idx="1" type="body"/>
+          </p:nvPr>
+        </p:nvSpPr>
+        <p:spPr>
+          <a:xfrm>
+            <a:off x="4165125" y="2029513"/>
+            <a:ext cx="853200" cy="509100"/>
+          </a:xfrm>
+          <a:prstGeom prst="rect">
+            <a:avLst/>
+          </a:prstGeom>
+        </p:spPr>
+        <p:txBody>
+          <a:bodyPr anchorCtr="0" anchor="t" bIns="91425" lIns="91425" spcFirstLastPara="1" rIns="91425" wrap="square" tIns="91425">
+            <a:normAutofit fontScale="70000"/>
+          </a:bodyPr>
+          <a:lstStyle/>
+          <a:p>
+            <a:pPr indent="0" lvl="0" marL="0" rtl="0" algn="l">
+              <a:spcBef>
+                <a:spcPts val="0"/>
+              </a:spcBef>
+              <a:spcAft>
+                <a:spcPts val="1200"/>
+              </a:spcAft>
+              <a:buNone/>
+            </a:pPr>
+            <a:r>
+              <a:rPr lang="fr"/>
+              <a:t>Modèle 1</a:t>
+            </a:r>
+            <a:endParaRPr/>
+          </a:p>
+        </p:txBody>
+      </p:sp>
+      <p:pic>
+        <p:nvPicPr>
+          <p:cNvPr id="118" name="Google Shape;118;p19"/>
+          <p:cNvPicPr preferRelativeResize="0"/>
+          <p:nvPr/>
+        </p:nvPicPr>
+        <p:blipFill rotWithShape="1">
+          <a:blip r:embed="rId3">
+            <a:alphaModFix/>
+          </a:blip>
+          <a:srcRect b="-512" l="0" r="0" t="77830"/>
+          <a:stretch/>
+        </p:blipFill>
+        <p:spPr>
+          <a:xfrm>
+            <a:off x="2076075" y="2029513"/>
+            <a:ext cx="1815611" cy="656502"/>
+          </a:xfrm>
+          <a:prstGeom prst="rect">
+            <a:avLst/>
+          </a:prstGeom>
+          <a:noFill/>
+          <a:ln>
+            <a:noFill/>
+          </a:ln>
+        </p:spPr>
+      </p:pic>
+      <p:pic>
+        <p:nvPicPr>
+          <p:cNvPr id="119" name="Google Shape;119;p19"/>
+          <p:cNvPicPr preferRelativeResize="0"/>
+          <p:nvPr/>
+        </p:nvPicPr>
+        <p:blipFill rotWithShape="1">
+          <a:blip r:embed="rId4">
+            <a:alphaModFix/>
+          </a:blip>
+          <a:srcRect b="0" l="0" r="0" t="77656"/>
+          <a:stretch/>
+        </p:blipFill>
+        <p:spPr>
+          <a:xfrm>
+            <a:off x="2076075" y="2811415"/>
+            <a:ext cx="1815611" cy="646715"/>
+          </a:xfrm>
+          <a:prstGeom prst="rect">
+            <a:avLst/>
+          </a:prstGeom>
+          <a:noFill/>
+          <a:ln>
+            <a:noFill/>
+          </a:ln>
+        </p:spPr>
+      </p:pic>
+      <p:pic>
+        <p:nvPicPr>
+          <p:cNvPr id="120" name="Google Shape;120;p19"/>
+          <p:cNvPicPr preferRelativeResize="0"/>
+          <p:nvPr/>
+        </p:nvPicPr>
+        <p:blipFill rotWithShape="1">
+          <a:blip r:embed="rId5">
+            <a:alphaModFix/>
+          </a:blip>
+          <a:srcRect b="0" l="0" r="0" t="77292"/>
+          <a:stretch/>
+        </p:blipFill>
+        <p:spPr>
+          <a:xfrm>
+            <a:off x="2076075" y="3583543"/>
+            <a:ext cx="1815611" cy="656494"/>
+          </a:xfrm>
+          <a:prstGeom prst="rect">
+            <a:avLst/>
+          </a:prstGeom>
+          <a:noFill/>
+          <a:ln>
+            <a:noFill/>
+          </a:ln>
+        </p:spPr>
+      </p:pic>
+      <p:sp>
+        <p:nvSpPr>
+          <p:cNvPr id="121" name="Google Shape;121;p19"/>
+          <p:cNvSpPr txBox="1"/>
+          <p:nvPr>
+            <p:ph idx="1" type="body"/>
+          </p:nvPr>
+        </p:nvSpPr>
+        <p:spPr>
+          <a:xfrm>
+            <a:off x="2804325" y="1324352"/>
+            <a:ext cx="1467600" cy="509100"/>
+          </a:xfrm>
+          <a:prstGeom prst="rect">
+            <a:avLst/>
+          </a:prstGeom>
+        </p:spPr>
+        <p:txBody>
+          <a:bodyPr anchorCtr="0" anchor="t" bIns="91425" lIns="91425" spcFirstLastPara="1" rIns="91425" wrap="square" tIns="91425">
+            <a:normAutofit/>
+          </a:bodyPr>
+          <a:lstStyle/>
+          <a:p>
+            <a:pPr indent="0" lvl="0" marL="0" rtl="0" algn="l">
+              <a:spcBef>
+                <a:spcPts val="0"/>
+              </a:spcBef>
+              <a:spcAft>
+                <a:spcPts val="1200"/>
+              </a:spcAft>
+              <a:buNone/>
+            </a:pPr>
+            <a:r>
+              <a:rPr lang="fr"/>
+              <a:t>Exemples</a:t>
+            </a:r>
+            <a:endParaRPr/>
+          </a:p>
+        </p:txBody>
+      </p:sp>
+      <p:sp>
+        <p:nvSpPr>
+          <p:cNvPr id="122" name="Google Shape;122;p19"/>
+          <p:cNvSpPr txBox="1"/>
+          <p:nvPr>
+            <p:ph idx="1" type="body"/>
+          </p:nvPr>
+        </p:nvSpPr>
+        <p:spPr>
+          <a:xfrm>
+            <a:off x="4165125" y="2822888"/>
+            <a:ext cx="853200" cy="509100"/>
+          </a:xfrm>
+          <a:prstGeom prst="rect">
+            <a:avLst/>
+          </a:prstGeom>
+        </p:spPr>
+        <p:txBody>
+          <a:bodyPr anchorCtr="0" anchor="t" bIns="91425" lIns="91425" spcFirstLastPara="1" rIns="91425" wrap="square" tIns="91425">
+            <a:normAutofit fontScale="70000"/>
+          </a:bodyPr>
+          <a:lstStyle/>
+          <a:p>
+            <a:pPr indent="0" lvl="0" marL="0" rtl="0" algn="l">
+              <a:spcBef>
+                <a:spcPts val="0"/>
+              </a:spcBef>
+              <a:spcAft>
+                <a:spcPts val="1200"/>
+              </a:spcAft>
+              <a:buNone/>
+            </a:pPr>
+            <a:r>
+              <a:rPr lang="fr"/>
+              <a:t>Modèle 2</a:t>
+            </a:r>
+            <a:endParaRPr/>
+          </a:p>
+        </p:txBody>
+      </p:sp>
+      <p:sp>
+        <p:nvSpPr>
+          <p:cNvPr id="123" name="Google Shape;123;p19"/>
+          <p:cNvSpPr txBox="1"/>
+          <p:nvPr>
+            <p:ph idx="1" type="body"/>
+          </p:nvPr>
+        </p:nvSpPr>
+        <p:spPr>
+          <a:xfrm>
+            <a:off x="4165126" y="3616263"/>
+            <a:ext cx="900300" cy="509100"/>
+          </a:xfrm>
+          <a:prstGeom prst="rect">
+            <a:avLst/>
+          </a:prstGeom>
+        </p:spPr>
+        <p:txBody>
+          <a:bodyPr anchorCtr="0" anchor="t" bIns="91425" lIns="91425" spcFirstLastPara="1" rIns="91425" wrap="square" tIns="91425">
+            <a:normAutofit fontScale="70000"/>
+          </a:bodyPr>
+          <a:lstStyle/>
+          <a:p>
+            <a:pPr indent="0" lvl="0" marL="0" rtl="0" algn="l">
+              <a:spcBef>
+                <a:spcPts val="0"/>
+              </a:spcBef>
+              <a:spcAft>
+                <a:spcPts val="1200"/>
+              </a:spcAft>
+              <a:buNone/>
+            </a:pPr>
+            <a:r>
+              <a:rPr lang="fr"/>
+              <a:t>Modèle 3</a:t>
+            </a:r>
+            <a:endParaRPr/>
+          </a:p>
+        </p:txBody>
+      </p:sp>
+      <p:sp>
+        <p:nvSpPr>
+          <p:cNvPr id="124" name="Google Shape;124;p19"/>
+          <p:cNvSpPr/>
+          <p:nvPr/>
+        </p:nvSpPr>
+        <p:spPr>
+          <a:xfrm>
+            <a:off x="3918177" y="2229013"/>
+            <a:ext cx="121200" cy="110100"/>
+          </a:xfrm>
+          <a:prstGeom prst="rightArrow">
+            <a:avLst>
+              <a:gd fmla="val 50000" name="adj1"/>
+              <a:gd fmla="val 50000" name="adj2"/>
+            </a:avLst>
+          </a:prstGeom>
+          <a:solidFill>
+            <a:schemeClr val="lt2"/>
+          </a:solidFill>
+          <a:ln cap="flat" cmpd="sng" w="9525">
+            <a:solidFill>
+              <a:schemeClr val="dk2"/>
+            </a:solidFill>
+            <a:prstDash val="solid"/>
+            <a:round/>
+            <a:headEnd len="sm" w="sm" type="none"/>
+            <a:tailEnd len="sm" w="sm" type="none"/>
+          </a:ln>
+        </p:spPr>
+        <p:txBody>
+          <a:bodyPr anchorCtr="0" anchor="ctr" bIns="91425" lIns="91425" spcFirstLastPara="1" rIns="91425" wrap="square" tIns="91425">
+            <a:noAutofit/>
+          </a:bodyPr>
+          <a:lstStyle/>
+          <a:p>
+            <a:pPr indent="0" lvl="0" marL="0" rtl="0" algn="l">
+              <a:spcBef>
+                <a:spcPts val="0"/>
+              </a:spcBef>
+              <a:spcAft>
+                <a:spcPts val="0"/>
+              </a:spcAft>
+              <a:buNone/>
+            </a:pPr>
+            <a:r>
+              <a:t/>
+            </a:r>
+            <a:endParaRPr/>
+          </a:p>
+        </p:txBody>
+      </p:sp>
+      <p:sp>
+        <p:nvSpPr>
+          <p:cNvPr id="125" name="Google Shape;125;p19"/>
+          <p:cNvSpPr/>
+          <p:nvPr/>
+        </p:nvSpPr>
+        <p:spPr>
+          <a:xfrm>
+            <a:off x="3918169" y="3022391"/>
+            <a:ext cx="121200" cy="110100"/>
+          </a:xfrm>
+          <a:prstGeom prst="rightArrow">
+            <a:avLst>
+              <a:gd fmla="val 50000" name="adj1"/>
+              <a:gd fmla="val 50000" name="adj2"/>
+            </a:avLst>
+          </a:prstGeom>
+          <a:solidFill>
+            <a:schemeClr val="lt2"/>
+          </a:solidFill>
+          <a:ln cap="flat" cmpd="sng" w="9525">
+            <a:solidFill>
+              <a:schemeClr val="dk2"/>
+            </a:solidFill>
+            <a:prstDash val="solid"/>
+            <a:round/>
+            <a:headEnd len="sm" w="sm" type="none"/>
+            <a:tailEnd len="sm" w="sm" type="none"/>
+          </a:ln>
+        </p:spPr>
+        <p:txBody>
+          <a:bodyPr anchorCtr="0" anchor="ctr" bIns="91425" lIns="91425" spcFirstLastPara="1" rIns="91425" wrap="square" tIns="91425">
+            <a:noAutofit/>
+          </a:bodyPr>
+          <a:lstStyle/>
+          <a:p>
+            <a:pPr indent="0" lvl="0" marL="0" rtl="0" algn="l">
+              <a:spcBef>
+                <a:spcPts val="0"/>
+              </a:spcBef>
+              <a:spcAft>
+                <a:spcPts val="0"/>
+              </a:spcAft>
+              <a:buNone/>
+            </a:pPr>
+            <a:r>
+              <a:t/>
+            </a:r>
+            <a:endParaRPr/>
+          </a:p>
+        </p:txBody>
+      </p:sp>
+      <p:sp>
+        <p:nvSpPr>
+          <p:cNvPr id="126" name="Google Shape;126;p19"/>
+          <p:cNvSpPr/>
+          <p:nvPr/>
+        </p:nvSpPr>
+        <p:spPr>
+          <a:xfrm>
+            <a:off x="3918169" y="3815769"/>
+            <a:ext cx="121200" cy="110100"/>
+          </a:xfrm>
+          <a:prstGeom prst="rightArrow">
+            <a:avLst>
+              <a:gd fmla="val 50000" name="adj1"/>
+              <a:gd fmla="val 50000" name="adj2"/>
+            </a:avLst>
+          </a:prstGeom>
+          <a:solidFill>
+            <a:schemeClr val="lt2"/>
+          </a:solidFill>
+          <a:ln cap="flat" cmpd="sng" w="9525">
+            <a:solidFill>
+              <a:schemeClr val="dk2"/>
+            </a:solidFill>
+            <a:prstDash val="solid"/>
+            <a:round/>
+            <a:headEnd len="sm" w="sm" type="none"/>
+            <a:tailEnd len="sm" w="sm" type="none"/>
+          </a:ln>
+        </p:spPr>
+        <p:txBody>
+          <a:bodyPr anchorCtr="0" anchor="ctr" bIns="91425" lIns="91425" spcFirstLastPara="1" rIns="91425" wrap="square" tIns="91425">
+            <a:noAutofit/>
+          </a:bodyPr>
+          <a:lstStyle/>
+          <a:p>
+            <a:pPr indent="0" lvl="0" marL="0" rtl="0" algn="l">
+              <a:spcBef>
+                <a:spcPts val="0"/>
+              </a:spcBef>
+              <a:spcAft>
+                <a:spcPts val="0"/>
+              </a:spcAft>
+              <a:buNone/>
+            </a:pPr>
+            <a:r>
+              <a:t/>
+            </a:r>
+            <a:endParaRPr/>
+          </a:p>
+        </p:txBody>
+      </p:sp>
+      <p:cxnSp>
+        <p:nvCxnSpPr>
+          <p:cNvPr id="127" name="Google Shape;127;p19"/>
+          <p:cNvCxnSpPr/>
+          <p:nvPr/>
+        </p:nvCxnSpPr>
+        <p:spPr>
+          <a:xfrm>
+            <a:off x="5416950" y="3111450"/>
+            <a:ext cx="338100" cy="0"/>
+          </a:xfrm>
+          <a:prstGeom prst="straightConnector1">
+            <a:avLst/>
+          </a:prstGeom>
+          <a:noFill/>
+          <a:ln cap="flat" cmpd="sng" w="9525">
+            <a:solidFill>
+              <a:schemeClr val="dk1"/>
+            </a:solidFill>
+            <a:prstDash val="solid"/>
+            <a:round/>
+            <a:headEnd len="med" w="med" type="none"/>
+            <a:tailEnd len="med" w="med" type="triangle"/>
+          </a:ln>
+        </p:spPr>
+      </p:cxnSp>
+      <p:cxnSp>
+        <p:nvCxnSpPr>
+          <p:cNvPr id="128" name="Google Shape;128;p19"/>
+          <p:cNvCxnSpPr/>
+          <p:nvPr/>
+        </p:nvCxnSpPr>
+        <p:spPr>
+          <a:xfrm>
+            <a:off x="5391300" y="2311600"/>
+            <a:ext cx="363900" cy="516600"/>
+          </a:xfrm>
+          <a:prstGeom prst="straightConnector1">
+            <a:avLst/>
+          </a:prstGeom>
+          <a:noFill/>
+          <a:ln cap="flat" cmpd="sng" w="28575">
+            <a:solidFill>
+              <a:schemeClr val="dk1"/>
+            </a:solidFill>
+            <a:prstDash val="solid"/>
+            <a:round/>
+            <a:headEnd len="med" w="med" type="none"/>
+            <a:tailEnd len="med" w="med" type="triangle"/>
+          </a:ln>
+        </p:spPr>
+      </p:cxnSp>
+      <p:cxnSp>
+        <p:nvCxnSpPr>
+          <p:cNvPr id="129" name="Google Shape;129;p19"/>
+          <p:cNvCxnSpPr/>
+          <p:nvPr/>
+        </p:nvCxnSpPr>
+        <p:spPr>
+          <a:xfrm flipH="1" rot="10800000">
+            <a:off x="5404050" y="3386700"/>
+            <a:ext cx="374700" cy="456600"/>
+          </a:xfrm>
+          <a:prstGeom prst="straightConnector1">
+            <a:avLst/>
+          </a:prstGeom>
+          <a:noFill/>
+          <a:ln cap="flat" cmpd="sng" w="9525">
+            <a:solidFill>
+              <a:schemeClr val="dk1"/>
+            </a:solidFill>
+            <a:prstDash val="dot"/>
+            <a:round/>
+            <a:headEnd len="med" w="med" type="none"/>
+            <a:tailEnd len="med" w="med" type="triangle"/>
+          </a:ln>
+        </p:spPr>
+      </p:cxnSp>
+      <p:sp>
+        <p:nvSpPr>
+          <p:cNvPr id="130" name="Google Shape;130;p19"/>
+          <p:cNvSpPr txBox="1"/>
+          <p:nvPr/>
+        </p:nvSpPr>
+        <p:spPr>
+          <a:xfrm>
+            <a:off x="5954075" y="2828200"/>
+            <a:ext cx="1926900" cy="681000"/>
+          </a:xfrm>
+          <a:prstGeom prst="rect">
+            <a:avLst/>
+          </a:prstGeom>
+          <a:noFill/>
+          <a:ln>
+            <a:noFill/>
+          </a:ln>
+        </p:spPr>
+        <p:txBody>
+          <a:bodyPr anchorCtr="0" anchor="t" bIns="91425" lIns="91425" spcFirstLastPara="1" rIns="91425" wrap="square" tIns="91425">
+            <a:spAutoFit/>
+          </a:bodyPr>
+          <a:lstStyle/>
+          <a:p>
+            <a:pPr indent="0" lvl="0" marL="0" rtl="0" algn="l">
+              <a:lnSpc>
+                <a:spcPct val="115000"/>
+              </a:lnSpc>
+              <a:spcBef>
+                <a:spcPts val="0"/>
+              </a:spcBef>
+              <a:spcAft>
+                <a:spcPts val="1200"/>
+              </a:spcAft>
+              <a:buNone/>
+            </a:pPr>
+            <a:r>
+              <a:rPr lang="fr" sz="1500">
+                <a:solidFill>
+                  <a:schemeClr val="dk2"/>
+                </a:solidFill>
+              </a:rPr>
+              <a:t>Moyenne pondérée des prédictions</a:t>
+            </a:r>
+            <a:endParaRPr sz="1100"/>
+          </a:p>
+        </p:txBody>
+      </p:sp>
+      <p:sp>
+        <p:nvSpPr>
+          <p:cNvPr id="131" name="Google Shape;131;p19"/>
+          <p:cNvSpPr txBox="1"/>
+          <p:nvPr>
+            <p:ph idx="1" type="body"/>
+          </p:nvPr>
+        </p:nvSpPr>
+        <p:spPr>
+          <a:xfrm>
+            <a:off x="1023600" y="1395013"/>
+            <a:ext cx="1100100" cy="509100"/>
+          </a:xfrm>
+          <a:prstGeom prst="rect">
+            <a:avLst/>
+          </a:prstGeom>
+        </p:spPr>
+        <p:txBody>
+          <a:bodyPr anchorCtr="0" anchor="t" bIns="91425" lIns="91425" spcFirstLastPara="1" rIns="91425" wrap="square" tIns="91425">
+            <a:normAutofit fontScale="62500" lnSpcReduction="20000"/>
+          </a:bodyPr>
+          <a:lstStyle/>
+          <a:p>
+            <a:pPr indent="0" lvl="0" marL="0" rtl="0" algn="l">
+              <a:spcBef>
+                <a:spcPts val="0"/>
+              </a:spcBef>
+              <a:spcAft>
+                <a:spcPts val="1200"/>
+              </a:spcAft>
+              <a:buNone/>
+            </a:pPr>
+            <a:r>
+              <a:rPr lang="fr"/>
+              <a:t>Similarité avec le test</a:t>
+            </a:r>
+            <a:endParaRPr/>
+          </a:p>
+        </p:txBody>
+      </p:sp>
+      <p:sp>
+        <p:nvSpPr>
+          <p:cNvPr id="132" name="Google Shape;132;p19"/>
+          <p:cNvSpPr txBox="1"/>
+          <p:nvPr>
+            <p:ph idx="1" type="body"/>
+          </p:nvPr>
+        </p:nvSpPr>
+        <p:spPr>
+          <a:xfrm>
+            <a:off x="1085125" y="2029513"/>
+            <a:ext cx="853200" cy="509100"/>
+          </a:xfrm>
+          <a:prstGeom prst="rect">
+            <a:avLst/>
+          </a:prstGeom>
+        </p:spPr>
+        <p:txBody>
+          <a:bodyPr anchorCtr="0" anchor="t" bIns="91425" lIns="91425" spcFirstLastPara="1" rIns="91425" wrap="square" tIns="91425">
+            <a:normAutofit/>
+          </a:bodyPr>
+          <a:lstStyle/>
+          <a:p>
+            <a:pPr indent="0" lvl="0" marL="0" rtl="0" algn="l">
+              <a:spcBef>
+                <a:spcPts val="0"/>
+              </a:spcBef>
+              <a:spcAft>
+                <a:spcPts val="1200"/>
+              </a:spcAft>
+              <a:buNone/>
+            </a:pPr>
+            <a:r>
+              <a:rPr lang="fr">
+                <a:solidFill>
+                  <a:srgbClr val="274E13"/>
+                </a:solidFill>
+              </a:rPr>
+              <a:t>0.6</a:t>
+            </a:r>
+            <a:endParaRPr>
+              <a:solidFill>
+                <a:srgbClr val="274E13"/>
+              </a:solidFill>
+            </a:endParaRPr>
+          </a:p>
+        </p:txBody>
+      </p:sp>
+      <p:sp>
+        <p:nvSpPr>
+          <p:cNvPr id="133" name="Google Shape;133;p19"/>
+          <p:cNvSpPr txBox="1"/>
+          <p:nvPr>
+            <p:ph idx="1" type="body"/>
+          </p:nvPr>
+        </p:nvSpPr>
+        <p:spPr>
+          <a:xfrm>
+            <a:off x="1085125" y="2806525"/>
+            <a:ext cx="853200" cy="509100"/>
+          </a:xfrm>
+          <a:prstGeom prst="rect">
+            <a:avLst/>
+          </a:prstGeom>
+        </p:spPr>
+        <p:txBody>
+          <a:bodyPr anchorCtr="0" anchor="t" bIns="91425" lIns="91425" spcFirstLastPara="1" rIns="91425" wrap="square" tIns="91425">
+            <a:normAutofit/>
+          </a:bodyPr>
+          <a:lstStyle/>
+          <a:p>
+            <a:pPr indent="0" lvl="0" marL="0" rtl="0" algn="l">
+              <a:spcBef>
+                <a:spcPts val="0"/>
+              </a:spcBef>
+              <a:spcAft>
+                <a:spcPts val="1200"/>
+              </a:spcAft>
+              <a:buNone/>
+            </a:pPr>
+            <a:r>
+              <a:rPr lang="fr" sz="1600"/>
+              <a:t>0.3</a:t>
+            </a:r>
+            <a:endParaRPr sz="1600"/>
+          </a:p>
+        </p:txBody>
+      </p:sp>
+      <p:sp>
+        <p:nvSpPr>
+          <p:cNvPr id="134" name="Google Shape;134;p19"/>
+          <p:cNvSpPr txBox="1"/>
+          <p:nvPr>
+            <p:ph idx="1" type="body"/>
+          </p:nvPr>
+        </p:nvSpPr>
+        <p:spPr>
+          <a:xfrm>
+            <a:off x="1085125" y="3583538"/>
+            <a:ext cx="853200" cy="509100"/>
+          </a:xfrm>
+          <a:prstGeom prst="rect">
+            <a:avLst/>
+          </a:prstGeom>
+        </p:spPr>
+        <p:txBody>
+          <a:bodyPr anchorCtr="0" anchor="t" bIns="91425" lIns="91425" spcFirstLastPara="1" rIns="91425" wrap="square" tIns="91425">
+            <a:normAutofit/>
+          </a:bodyPr>
+          <a:lstStyle/>
+          <a:p>
+            <a:pPr indent="0" lvl="0" marL="0" rtl="0" algn="l">
+              <a:spcBef>
+                <a:spcPts val="0"/>
+              </a:spcBef>
+              <a:spcAft>
+                <a:spcPts val="1200"/>
+              </a:spcAft>
+              <a:buNone/>
+            </a:pPr>
+            <a:r>
+              <a:rPr lang="fr" sz="1400">
+                <a:solidFill>
+                  <a:srgbClr val="5B0F00"/>
+                </a:solidFill>
+              </a:rPr>
+              <a:t>0.1</a:t>
+            </a:r>
+            <a:endParaRPr sz="1400">
+              <a:solidFill>
+                <a:srgbClr val="5B0F00"/>
+              </a:solidFill>
+            </a:endParaRPr>
           </a:p>
         </p:txBody>
       </p:sp>
